--- a/OS/sp18/lectures/OSsp18_lec11_sched.pptx
+++ b/OS/sp18/lectures/OSsp18_lec11_sched.pptx
@@ -6845,7 +6845,7 @@
           <a:p>
             <a:fld id="{77A06D09-CF90-EE45-BC0B-DBADF41B3352}" type="datetime1">
               <a:rPr lang="en-US" smtClean="0"/>
-              <a:t>3/4/18</a:t>
+              <a:t>3/5/18</a:t>
             </a:fld>
             <a:endParaRPr lang="en-US"/>
           </a:p>
@@ -7042,7 +7042,7 @@
           <a:p>
             <a:fld id="{AABD220D-F8D5-B545-8A9A-72ED4E50FAC6}" type="datetime1">
               <a:rPr lang="en-US" smtClean="0"/>
-              <a:t>3/4/18</a:t>
+              <a:t>3/5/18</a:t>
             </a:fld>
             <a:endParaRPr lang="en-US"/>
           </a:p>
@@ -7248,7 +7248,7 @@
           <a:p>
             <a:fld id="{7BC2F160-0403-EF49-BF29-788C294C88FA}" type="datetime1">
               <a:rPr lang="en-US" smtClean="0"/>
-              <a:t>3/4/18</a:t>
+              <a:t>3/5/18</a:t>
             </a:fld>
             <a:endParaRPr lang="en-US"/>
           </a:p>
@@ -7511,7 +7511,7 @@
           <a:p>
             <a:fld id="{5284B42E-4457-B643-98D1-62567BAC0381}" type="datetime1">
               <a:rPr lang="en-US" smtClean="0"/>
-              <a:t>3/4/18</a:t>
+              <a:t>3/5/18</a:t>
             </a:fld>
             <a:endParaRPr lang="en-US"/>
           </a:p>
@@ -7774,7 +7774,7 @@
           <a:p>
             <a:fld id="{AE39F71C-0D0B-4A40-951A-99F38E975BC9}" type="datetime1">
               <a:rPr lang="en-US" smtClean="0"/>
-              <a:t>3/4/18</a:t>
+              <a:t>3/5/18</a:t>
             </a:fld>
             <a:endParaRPr lang="en-US"/>
           </a:p>
@@ -7970,7 +7970,7 @@
           <a:p>
             <a:fld id="{A7B496C6-6EDF-584B-A0CE-E2E51466D9C7}" type="datetime1">
               <a:rPr lang="en-US" smtClean="0"/>
-              <a:t>3/4/18</a:t>
+              <a:t>3/5/18</a:t>
             </a:fld>
             <a:endParaRPr lang="en-US"/>
           </a:p>
@@ -8188,7 +8188,7 @@
           <a:p>
             <a:fld id="{FC8F696B-CA27-4B45-B4BF-1DF667E28C91}" type="datetime1">
               <a:rPr lang="en-US" smtClean="0"/>
-              <a:t>3/4/18</a:t>
+              <a:t>3/5/18</a:t>
             </a:fld>
             <a:endParaRPr lang="en-US"/>
           </a:p>
@@ -8502,7 +8502,7 @@
           <a:p>
             <a:fld id="{24810F4C-E596-504B-9216-922C8AD27383}" type="datetime1">
               <a:rPr lang="en-US" smtClean="0"/>
-              <a:t>3/4/18</a:t>
+              <a:t>3/5/18</a:t>
             </a:fld>
             <a:endParaRPr lang="en-US"/>
           </a:p>
@@ -8955,7 +8955,7 @@
           <a:p>
             <a:fld id="{B077ECAA-E7AB-C842-AED7-F676E73DF7F3}" type="datetime1">
               <a:rPr lang="en-US" smtClean="0"/>
-              <a:t>3/4/18</a:t>
+              <a:t>3/5/18</a:t>
             </a:fld>
             <a:endParaRPr lang="en-US"/>
           </a:p>
@@ -9099,7 +9099,7 @@
           <a:p>
             <a:fld id="{E21C6016-F42E-AD4A-A363-60A115607498}" type="datetime1">
               <a:rPr lang="en-US" smtClean="0"/>
-              <a:t>3/4/18</a:t>
+              <a:t>3/5/18</a:t>
             </a:fld>
             <a:endParaRPr lang="en-US"/>
           </a:p>
@@ -9220,7 +9220,7 @@
           <a:p>
             <a:fld id="{6F6E28D2-A69D-044F-8B7A-7B660D10E7DB}" type="datetime1">
               <a:rPr lang="en-US" smtClean="0"/>
-              <a:t>3/4/18</a:t>
+              <a:t>3/5/18</a:t>
             </a:fld>
             <a:endParaRPr lang="en-US"/>
           </a:p>
@@ -9523,7 +9523,7 @@
           <a:p>
             <a:fld id="{805246E4-7FE6-9645-8073-2CBA02F017E0}" type="datetime1">
               <a:rPr lang="en-US" smtClean="0"/>
-              <a:t>3/4/18</a:t>
+              <a:t>3/5/18</a:t>
             </a:fld>
             <a:endParaRPr lang="en-US"/>
           </a:p>
@@ -9803,7 +9803,7 @@
           <a:p>
             <a:fld id="{A0EEBF4A-08B0-5640-A3F9-B25DF7F4E8DF}" type="datetime1">
               <a:rPr lang="en-US" smtClean="0"/>
-              <a:t>3/4/18</a:t>
+              <a:t>3/5/18</a:t>
             </a:fld>
             <a:endParaRPr lang="en-US"/>
           </a:p>
@@ -10102,7 +10102,7 @@
           <a:p>
             <a:fld id="{71280E3D-B541-D748-B4C5-FC536A036174}" type="datetime1">
               <a:rPr lang="en-US" smtClean="0"/>
-              <a:t>3/4/18</a:t>
+              <a:t>3/5/18</a:t>
             </a:fld>
             <a:endParaRPr lang="en-US"/>
           </a:p>
@@ -10954,7 +10954,7 @@
               <a:buNone/>
             </a:pPr>
             <a:r>
-              <a:rPr lang="en-US" b="1" dirty="0">
+              <a:rPr lang="en-US" b="1">
                 <a:solidFill>
                   <a:srgbClr val="0000FF"/>
                 </a:solidFill>
@@ -10963,13 +10963,22 @@
               <a:t>Lecture </a:t>
             </a:r>
             <a:r>
-              <a:rPr lang="en-US" b="1" dirty="0" smtClean="0">
+              <a:rPr lang="en-US" b="1" smtClean="0">
                 <a:solidFill>
                   <a:srgbClr val="0000FF"/>
                 </a:solidFill>
                 <a:latin typeface="Arial" charset="0"/>
               </a:rPr>
-              <a:t>8:</a:t>
+              <a:t>11</a:t>
+            </a:r>
+            <a:r>
+              <a:rPr lang="en-US" b="1" smtClean="0">
+                <a:solidFill>
+                  <a:srgbClr val="0000FF"/>
+                </a:solidFill>
+                <a:latin typeface="Arial" charset="0"/>
+              </a:rPr>
+              <a:t>:</a:t>
             </a:r>
             <a:endParaRPr lang="en-US" b="1" dirty="0">
               <a:solidFill>
@@ -11146,7 +11155,7 @@
           <a:p>
             <a:fld id="{115879E3-6CDB-4842-8C65-EFDDFA84E016}" type="datetime1">
               <a:rPr lang="en-US" smtClean="0"/>
-              <a:t>3/4/18</a:t>
+              <a:t>3/5/18</a:t>
             </a:fld>
             <a:endParaRPr lang="en-US"/>
           </a:p>
@@ -11478,14 +11487,7 @@
                 <a:latin typeface="Helvetica" charset="0"/>
                 <a:ea typeface="MS PGothic" charset="0"/>
               </a:rPr>
-              <a:t>at time 0 </a:t>
-            </a:r>
-            <a:r>
-              <a:rPr lang="en-US" dirty="0" smtClean="0">
-                <a:latin typeface="Helvetica" charset="0"/>
-                <a:ea typeface="MS PGothic" charset="0"/>
-              </a:rPr>
-              <a:t>in </a:t>
+              <a:t>at time 0 in </a:t>
             </a:r>
             <a:r>
               <a:rPr lang="en-US" dirty="0">
@@ -11656,7 +11658,7 @@
           <a:p>
             <a:fld id="{458A5FCD-3A2E-5941-8725-05BE043E8467}" type="datetime1">
               <a:rPr lang="en-US" smtClean="0"/>
-              <a:t>3/4/18</a:t>
+              <a:t>3/5/18</a:t>
             </a:fld>
             <a:endParaRPr lang="en-US"/>
           </a:p>
@@ -11988,14 +11990,7 @@
                 <a:latin typeface="Helvetica" charset="0"/>
                 <a:ea typeface="MS PGothic" charset="0"/>
               </a:rPr>
-              <a:t>at time 0 </a:t>
-            </a:r>
-            <a:r>
-              <a:rPr lang="en-US" dirty="0" smtClean="0">
-                <a:latin typeface="Helvetica" charset="0"/>
-                <a:ea typeface="MS PGothic" charset="0"/>
-              </a:rPr>
-              <a:t>in </a:t>
+              <a:t>at time 0 in </a:t>
             </a:r>
             <a:r>
               <a:rPr lang="en-US" dirty="0">
@@ -12316,7 +12311,7 @@
           <a:p>
             <a:fld id="{BD4788C7-A338-9248-B290-C95AF8905578}" type="datetime1">
               <a:rPr lang="en-US" smtClean="0"/>
-              <a:t>3/4/18</a:t>
+              <a:t>3/5/18</a:t>
             </a:fld>
             <a:endParaRPr lang="en-US"/>
           </a:p>
@@ -12526,19 +12521,7 @@
               <a:rPr lang="en-US" altLang="en-US" dirty="0" smtClean="0">
                 <a:cs typeface="ＭＳ Ｐゴシック" charset="-128"/>
               </a:rPr>
-              <a:t>Suppose that the </a:t>
-            </a:r>
-            <a:r>
-              <a:rPr lang="en-US" altLang="en-US" dirty="0" smtClean="0">
-                <a:cs typeface="ＭＳ Ｐゴシック" charset="-128"/>
-              </a:rPr>
-              <a:t>same processes arrive at time 0 </a:t>
-            </a:r>
-            <a:r>
-              <a:rPr lang="en-US" altLang="en-US" dirty="0" smtClean="0">
-                <a:cs typeface="ＭＳ Ｐゴシック" charset="-128"/>
-              </a:rPr>
-              <a:t>in the order:</a:t>
+              <a:t>Suppose that the same processes arrive at time 0 in the order:</a:t>
             </a:r>
           </a:p>
           <a:p>
@@ -12708,7 +12691,7 @@
           <a:p>
             <a:fld id="{7A1D3F49-309C-CD4C-BF35-330F3A3BA6B6}" type="datetime1">
               <a:rPr lang="en-US" smtClean="0"/>
-              <a:t>3/4/18</a:t>
+              <a:t>3/5/18</a:t>
             </a:fld>
             <a:endParaRPr lang="en-US"/>
           </a:p>
@@ -12864,19 +12847,7 @@
               <a:rPr lang="en-US" altLang="en-US" dirty="0" smtClean="0">
                 <a:cs typeface="ＭＳ Ｐゴシック" charset="-128"/>
               </a:rPr>
-              <a:t>Suppose that the processes </a:t>
-            </a:r>
-            <a:r>
-              <a:rPr lang="en-US" altLang="en-US" dirty="0" smtClean="0">
-                <a:cs typeface="ＭＳ Ｐゴシック" charset="-128"/>
-              </a:rPr>
-              <a:t>arrive at time 0 </a:t>
-            </a:r>
-            <a:r>
-              <a:rPr lang="en-US" altLang="en-US" dirty="0" smtClean="0">
-                <a:cs typeface="ＭＳ Ｐゴシック" charset="-128"/>
-              </a:rPr>
-              <a:t>in the order:</a:t>
+              <a:t>Suppose that the processes arrive at time 0 in the order:</a:t>
             </a:r>
           </a:p>
           <a:p>
@@ -13236,7 +13207,7 @@
           <a:p>
             <a:fld id="{7A1F9062-4ACF-CF49-9C3E-6ACA9CA22853}" type="datetime1">
               <a:rPr lang="en-US" smtClean="0"/>
-              <a:t>3/4/18</a:t>
+              <a:t>3/5/18</a:t>
             </a:fld>
             <a:endParaRPr lang="en-US"/>
           </a:p>
@@ -13471,7 +13442,7 @@
           <a:p>
             <a:fld id="{B3FA37BF-F702-6549-8288-BC0472F8E288}" type="datetime1">
               <a:rPr lang="en-US" smtClean="0"/>
-              <a:t>3/4/18</a:t>
+              <a:t>3/5/18</a:t>
             </a:fld>
             <a:endParaRPr lang="en-US"/>
           </a:p>
@@ -13714,7 +13685,7 @@
           <a:p>
             <a:fld id="{CC00B32B-CB26-7644-814E-BB9EE5CB4D4F}" type="datetime1">
               <a:rPr lang="en-US" smtClean="0"/>
-              <a:t>3/4/18</a:t>
+              <a:t>3/5/18</a:t>
             </a:fld>
             <a:endParaRPr lang="en-US"/>
           </a:p>
@@ -13872,7 +13843,7 @@
           <a:p>
             <a:fld id="{627EC8B5-3260-CF4D-AC13-E480832D6C6B}" type="datetime1">
               <a:rPr lang="en-US" smtClean="0"/>
-              <a:t>3/4/18</a:t>
+              <a:t>3/5/18</a:t>
             </a:fld>
             <a:endParaRPr lang="en-US"/>
           </a:p>
@@ -14377,7 +14348,7 @@
           <a:p>
             <a:fld id="{22A02174-2C35-924D-8652-3EDEB7D6A791}" type="datetime1">
               <a:rPr lang="en-US" smtClean="0"/>
-              <a:t>3/4/18</a:t>
+              <a:t>3/5/18</a:t>
             </a:fld>
             <a:endParaRPr lang="en-US"/>
           </a:p>
@@ -14960,7 +14931,7 @@
           <a:p>
             <a:fld id="{0BFFE6AA-5372-4243-BF24-AEC7A7C0791E}" type="datetime1">
               <a:rPr lang="en-US" smtClean="0"/>
-              <a:t>3/4/18</a:t>
+              <a:t>3/5/18</a:t>
             </a:fld>
             <a:endParaRPr lang="en-US"/>
           </a:p>
@@ -15143,7 +15114,7 @@
         <p:spPr/>
         <p:txBody>
           <a:bodyPr>
-            <a:normAutofit/>
+            <a:normAutofit lnSpcReduction="10000"/>
           </a:bodyPr>
           <a:lstStyle/>
           <a:p>
@@ -15170,13 +15141,27 @@
               <a:rPr lang="en-US" dirty="0" smtClean="0"/>
               <a:t>21 (W after Spring Break)</a:t>
             </a:r>
-            <a:endParaRPr lang="en-US" dirty="0"/>
-          </a:p>
-          <a:p>
-            <a:pPr marL="344487" lvl="1" indent="0">
-              <a:buNone/>
-            </a:pPr>
-            <a:endParaRPr lang="en-US" dirty="0" smtClean="0"/>
+          </a:p>
+          <a:p>
+            <a:pPr lvl="1"/>
+            <a:r>
+              <a:rPr lang="en-US" dirty="0" smtClean="0"/>
+              <a:t>Scheduled power outage in Ball Hall 3/12-3/14</a:t>
+            </a:r>
+          </a:p>
+          <a:p>
+            <a:pPr lvl="2"/>
+            <a:r>
+              <a:rPr lang="en-US" dirty="0" smtClean="0"/>
+              <a:t>7 AM-2 PM each day (Mon.-Wed. of Spring Break)</a:t>
+            </a:r>
+          </a:p>
+          <a:p>
+            <a:pPr lvl="2"/>
+            <a:r>
+              <a:rPr lang="en-US" dirty="0" smtClean="0"/>
+              <a:t>Ball 410 likely inaccessible during these times!</a:t>
+            </a:r>
           </a:p>
           <a:p>
             <a:r>
@@ -15190,7 +15175,6 @@
               <a:rPr lang="en-US" dirty="0" smtClean="0"/>
               <a:t>Review</a:t>
             </a:r>
-            <a:endParaRPr lang="en-US" dirty="0" smtClean="0"/>
           </a:p>
           <a:p>
             <a:pPr lvl="2"/>
@@ -15198,7 +15182,6 @@
               <a:rPr lang="en-US" dirty="0" smtClean="0"/>
               <a:t>Deadlock</a:t>
             </a:r>
-            <a:endParaRPr lang="en-US" dirty="0" smtClean="0"/>
           </a:p>
           <a:p>
             <a:pPr lvl="1"/>
@@ -15358,7 +15341,7 @@
                 <a:latin typeface="Garamond"/>
                 <a:cs typeface="Garamond"/>
               </a:rPr>
-              <a:t>3/4/18</a:t>
+              <a:t>3/5/18</a:t>
             </a:fld>
             <a:endParaRPr lang="en-US" dirty="0">
               <a:latin typeface="Garamond"/>
@@ -15816,7 +15799,7 @@
           <a:p>
             <a:fld id="{FF3B9724-BB96-264C-AE9C-DA16CD7E724E}" type="datetime1">
               <a:rPr lang="en-US" smtClean="0"/>
-              <a:t>3/4/18</a:t>
+              <a:t>3/5/18</a:t>
             </a:fld>
             <a:endParaRPr lang="en-US"/>
           </a:p>
@@ -15888,7 +15871,7 @@
           <a:graphicData uri="http://schemas.openxmlformats.org/presentationml/2006/ole">
             <mc:AlternateContent xmlns:mc="http://schemas.openxmlformats.org/markup-compatibility/2006">
               <mc:Choice xmlns:v="urn:schemas-microsoft-com:vml" Requires="v">
-                <p:oleObj spid="_x0000_s20184" name="Equation" r:id="rId4" imgW="6400800" imgH="1778000" progId="Equation.3">
+                <p:oleObj spid="_x0000_s20198" name="Equation" r:id="rId4" imgW="6400800" imgH="1778000" progId="Equation.3">
                   <p:embed/>
                 </p:oleObj>
               </mc:Choice>
@@ -15983,7 +15966,7 @@
           <a:graphicData uri="http://schemas.openxmlformats.org/presentationml/2006/ole">
             <mc:AlternateContent xmlns:mc="http://schemas.openxmlformats.org/markup-compatibility/2006">
               <mc:Choice xmlns:v="urn:schemas-microsoft-com:vml" Requires="v">
-                <p:oleObj spid="_x0000_s20185" name="Equation" r:id="rId6" imgW="2221536" imgH="317362" progId="Equation.3">
+                <p:oleObj spid="_x0000_s20199" name="Equation" r:id="rId6" imgW="2221536" imgH="317362" progId="Equation.3">
                   <p:embed/>
                 </p:oleObj>
               </mc:Choice>
@@ -16525,9 +16508,6 @@
               </a:rPr>
               <a:t>What are the average waiting and turnaround times?</a:t>
             </a:r>
-            <a:endParaRPr lang="en-US" altLang="en-US" dirty="0" smtClean="0">
-              <a:cs typeface="ＭＳ Ｐゴシック" charset="-128"/>
-            </a:endParaRPr>
           </a:p>
           <a:p>
             <a:pPr>
@@ -16578,7 +16558,7 @@
           <a:p>
             <a:fld id="{8A5FE3D3-9D71-E747-94C3-97C58D91C435}" type="datetime1">
               <a:rPr lang="en-US" smtClean="0"/>
-              <a:t>3/4/18</a:t>
+              <a:t>3/5/18</a:t>
             </a:fld>
             <a:endParaRPr lang="en-US"/>
           </a:p>
@@ -17186,7 +17166,7 @@
           <a:p>
             <a:fld id="{E04154A7-9C85-C245-81B1-57E2547680AB}" type="datetime1">
               <a:rPr lang="en-US" smtClean="0"/>
-              <a:t>3/4/18</a:t>
+              <a:t>3/5/18</a:t>
             </a:fld>
             <a:endParaRPr lang="en-US"/>
           </a:p>
@@ -17470,7 +17450,7 @@
           <a:p>
             <a:fld id="{451E6FA9-C0DB-DD43-A9AA-16232AEC1457}" type="datetime1">
               <a:rPr lang="en-US" smtClean="0"/>
-              <a:t>3/4/18</a:t>
+              <a:t>3/5/18</a:t>
             </a:fld>
             <a:endParaRPr lang="en-US"/>
           </a:p>
@@ -18230,7 +18210,7 @@
           <a:p>
             <a:fld id="{7D8D749D-D91A-364A-A388-4842571263BA}" type="datetime1">
               <a:rPr lang="en-US" smtClean="0"/>
-              <a:t>3/4/18</a:t>
+              <a:t>3/5/18</a:t>
             </a:fld>
             <a:endParaRPr lang="en-US"/>
           </a:p>
@@ -18661,7 +18641,7 @@
           <a:p>
             <a:fld id="{DE3CEBD8-F194-D942-AF04-8C76E89FE371}" type="datetime1">
               <a:rPr lang="en-US" smtClean="0"/>
-              <a:t>3/4/18</a:t>
+              <a:t>3/5/18</a:t>
             </a:fld>
             <a:endParaRPr lang="en-US"/>
           </a:p>
@@ -19019,7 +18999,7 @@
           <a:p>
             <a:fld id="{502239F0-205C-974A-A962-197D38CB71B1}" type="datetime1">
               <a:rPr lang="en-US" smtClean="0"/>
-              <a:t>3/4/18</a:t>
+              <a:t>3/5/18</a:t>
             </a:fld>
             <a:endParaRPr lang="en-US"/>
           </a:p>
@@ -19499,7 +19479,7 @@
           <a:p>
             <a:fld id="{95222D8E-3C2B-9849-B5AB-A955887A64B0}" type="datetime1">
               <a:rPr lang="en-US" smtClean="0"/>
-              <a:t>3/4/18</a:t>
+              <a:t>3/5/18</a:t>
             </a:fld>
             <a:endParaRPr lang="en-US"/>
           </a:p>
@@ -19688,7 +19668,7 @@
           <a:p>
             <a:fld id="{4BDD862B-BA31-AA47-9D3A-5E851A592F88}" type="datetime1">
               <a:rPr lang="en-US" smtClean="0"/>
-              <a:t>3/4/18</a:t>
+              <a:t>3/5/18</a:t>
             </a:fld>
             <a:endParaRPr lang="en-US"/>
           </a:p>
@@ -19927,7 +19907,7 @@
           <a:p>
             <a:fld id="{136FF4E2-A2BD-334A-9C03-B374337F39B8}" type="datetime1">
               <a:rPr lang="en-US" smtClean="0"/>
-              <a:t>3/4/18</a:t>
+              <a:t>3/5/18</a:t>
             </a:fld>
             <a:endParaRPr lang="en-US"/>
           </a:p>
@@ -20256,7 +20236,7 @@
           <a:p>
             <a:fld id="{359C0BC7-0934-B347-B661-66E3D3E3EC80}" type="datetime1">
               <a:rPr lang="en-US" smtClean="0"/>
-              <a:t>3/4/18</a:t>
+              <a:t>3/5/18</a:t>
             </a:fld>
             <a:endParaRPr lang="en-US"/>
           </a:p>
@@ -20413,7 +20393,7 @@
           <a:p>
             <a:fld id="{50A2A036-E158-4248-BB77-8B34FAA9CB77}" type="datetime1">
               <a:rPr lang="en-US" smtClean="0"/>
-              <a:t>3/4/18</a:t>
+              <a:t>3/5/18</a:t>
             </a:fld>
             <a:endParaRPr lang="en-US"/>
           </a:p>
@@ -20715,7 +20695,7 @@
           <a:p>
             <a:fld id="{E54A4422-1CE8-0B4E-AD22-F0CBA6AADF9A}" type="datetime1">
               <a:rPr lang="en-US" smtClean="0"/>
-              <a:t>3/4/18</a:t>
+              <a:t>3/5/18</a:t>
             </a:fld>
             <a:endParaRPr lang="en-US"/>
           </a:p>
@@ -23034,15 +23014,7 @@
             <a:pPr lvl="1"/>
             <a:r>
               <a:rPr lang="en-US" dirty="0" smtClean="0"/>
-              <a:t>So process with burst time of </a:t>
-            </a:r>
-            <a:r>
-              <a:rPr lang="en-US" dirty="0" smtClean="0"/>
-              <a:t>1 (i.e., P2, P4) </a:t>
-            </a:r>
-            <a:r>
-              <a:rPr lang="en-US" dirty="0" smtClean="0"/>
-              <a:t>will appear to start and end in same “cycle”</a:t>
+              <a:t>So process with burst time of 1 (i.e., P2, P4) will appear to start and end in same “cycle”</a:t>
             </a:r>
             <a:endParaRPr lang="en-US" dirty="0"/>
           </a:p>
@@ -23065,7 +23037,7 @@
           <a:p>
             <a:fld id="{AE1A31F4-BB06-2742-8DAD-692CD1C8EE72}" type="datetime1">
               <a:rPr lang="en-US" smtClean="0"/>
-              <a:t>3/4/18</a:t>
+              <a:t>3/5/18</a:t>
             </a:fld>
             <a:endParaRPr lang="en-US"/>
           </a:p>
@@ -25103,7 +25075,7 @@
           <a:p>
             <a:fld id="{BDD33A16-155E-364A-8A03-DC4D2EE2B639}" type="datetime1">
               <a:rPr lang="en-US" smtClean="0"/>
-              <a:t>3/4/18</a:t>
+              <a:t>3/5/18</a:t>
             </a:fld>
             <a:endParaRPr lang="en-US"/>
           </a:p>
@@ -32635,7 +32607,7 @@
           <a:p>
             <a:fld id="{154F38B5-081C-9449-AE29-10BF9169E9FB}" type="datetime1">
               <a:rPr lang="en-US" smtClean="0"/>
-              <a:t>3/4/18</a:t>
+              <a:t>3/5/18</a:t>
             </a:fld>
             <a:endParaRPr lang="en-US"/>
           </a:p>
@@ -33828,7 +33800,7 @@
           <a:p>
             <a:fld id="{BE692F0C-BA09-FE41-96FC-712931CD7319}" type="datetime1">
               <a:rPr lang="en-US" smtClean="0"/>
-              <a:t>3/4/18</a:t>
+              <a:t>3/5/18</a:t>
             </a:fld>
             <a:endParaRPr lang="en-US"/>
           </a:p>
@@ -41026,7 +40998,7 @@
           <a:p>
             <a:fld id="{02DDEC05-16B0-0647-B6DA-8A69818A6E4A}" type="datetime1">
               <a:rPr lang="en-US" smtClean="0"/>
-              <a:t>3/4/18</a:t>
+              <a:t>3/5/18</a:t>
             </a:fld>
             <a:endParaRPr lang="en-US"/>
           </a:p>
@@ -41233,7 +41205,7 @@
           <a:p>
             <a:fld id="{4D3407B8-11B0-6148-ADF6-ABD8FD19A322}" type="datetime1">
               <a:rPr lang="en-US" smtClean="0"/>
-              <a:t>3/4/18</a:t>
+              <a:t>3/5/18</a:t>
             </a:fld>
             <a:endParaRPr lang="en-US"/>
           </a:p>
@@ -41442,8 +41414,36 @@
             <a:pPr lvl="1"/>
             <a:r>
               <a:rPr lang="en-US" dirty="0"/>
-              <a:t>Program 2 due 3/21 (W after Spring Break)</a:t>
-            </a:r>
+              <a:t>Program 2 due 3/21 (W after Spring Break</a:t>
+            </a:r>
+            <a:r>
+              <a:rPr lang="en-US" dirty="0" smtClean="0"/>
+              <a:t>)</a:t>
+            </a:r>
+          </a:p>
+          <a:p>
+            <a:pPr lvl="1"/>
+            <a:r>
+              <a:rPr lang="en-US" dirty="0"/>
+              <a:t>Scheduled power outage in Ball Hall 3/12-3/14</a:t>
+            </a:r>
+          </a:p>
+          <a:p>
+            <a:pPr lvl="2"/>
+            <a:r>
+              <a:rPr lang="en-US" dirty="0"/>
+              <a:t>7 AM-2 PM each day (Mon.-Wed. of Spring Break)</a:t>
+            </a:r>
+          </a:p>
+          <a:p>
+            <a:pPr lvl="2"/>
+            <a:r>
+              <a:rPr lang="en-US"/>
+              <a:t>Ball 410 likely inaccessible during these times!</a:t>
+            </a:r>
+          </a:p>
+          <a:p>
+            <a:pPr lvl="1"/>
             <a:endParaRPr lang="en-US" dirty="0"/>
           </a:p>
         </p:txBody>
@@ -41580,7 +41580,7 @@
           <a:p>
             <a:fld id="{083B58C5-467B-8147-9E3B-7F1DACF95D52}" type="datetime1">
               <a:rPr lang="en-US" smtClean="0"/>
-              <a:t>3/4/18</a:t>
+              <a:t>3/5/18</a:t>
             </a:fld>
             <a:endParaRPr lang="en-US"/>
           </a:p>
@@ -41916,7 +41916,7 @@
           <a:p>
             <a:fld id="{0C2E8B95-4576-FF48-AA62-C8DA1C17B9FC}" type="datetime1">
               <a:rPr lang="en-US" smtClean="0"/>
-              <a:t>3/4/18</a:t>
+              <a:t>3/5/18</a:t>
             </a:fld>
             <a:endParaRPr lang="en-US"/>
           </a:p>
@@ -42129,7 +42129,7 @@
           <a:p>
             <a:fld id="{76B7347E-6E3F-564B-AB98-B9783D245276}" type="datetime1">
               <a:rPr lang="en-US" smtClean="0"/>
-              <a:t>3/4/18</a:t>
+              <a:t>3/5/18</a:t>
             </a:fld>
             <a:endParaRPr lang="en-US"/>
           </a:p>
@@ -42437,7 +42437,7 @@
           <a:p>
             <a:fld id="{77FB25A3-C1BE-C642-BE71-F0D2FC546696}" type="datetime1">
               <a:rPr lang="en-US" smtClean="0"/>
-              <a:t>3/4/18</a:t>
+              <a:t>3/5/18</a:t>
             </a:fld>
             <a:endParaRPr lang="en-US"/>
           </a:p>
@@ -42765,7 +42765,7 @@
           <a:p>
             <a:fld id="{E4253281-4A78-EE4F-B70F-F4BFD566E677}" type="datetime1">
               <a:rPr lang="en-US" smtClean="0"/>
-              <a:t>3/4/18</a:t>
+              <a:t>3/5/18</a:t>
             </a:fld>
             <a:endParaRPr lang="en-US"/>
           </a:p>
@@ -43082,9 +43082,6 @@
               </a:rPr>
               <a:t>Terminates</a:t>
             </a:r>
-            <a:endParaRPr lang="en-US" dirty="0" smtClean="0">
-              <a:ea typeface="ＭＳ Ｐゴシック" charset="-128"/>
-            </a:endParaRPr>
           </a:p>
           <a:p>
             <a:pPr marL="342815" indent="-342815">
@@ -43202,7 +43199,7 @@
           <a:p>
             <a:fld id="{D4E8D097-6C61-AD41-B974-A9C1C2FA0F92}" type="datetime1">
               <a:rPr lang="en-US" smtClean="0"/>
-              <a:t>3/4/18</a:t>
+              <a:t>3/5/18</a:t>
             </a:fld>
             <a:endParaRPr lang="en-US"/>
           </a:p>
@@ -43411,7 +43408,7 @@
           <a:p>
             <a:fld id="{C709012E-CC2D-7C4D-9620-463E2B37FC38}" type="datetime1">
               <a:rPr lang="en-US" smtClean="0"/>
-              <a:t>3/4/18</a:t>
+              <a:t>3/5/18</a:t>
             </a:fld>
             <a:endParaRPr lang="en-US"/>
           </a:p>
@@ -43826,7 +43823,7 @@
           <a:p>
             <a:fld id="{C72A852A-A403-084D-B748-83BF496DBECC}" type="datetime1">
               <a:rPr lang="en-US" smtClean="0"/>
-              <a:t>3/4/18</a:t>
+              <a:t>3/5/18</a:t>
             </a:fld>
             <a:endParaRPr lang="en-US"/>
           </a:p>
